--- a/11 How to debug the new learning algorithms.pptx
+++ b/11 How to debug the new learning algorithms.pptx
@@ -11,7 +11,7 @@
     <p:sldMasterId id="2147483711" r:id="rId7"/>
   </p:sldMasterIdLst>
   <p:notesMasterIdLst>
-    <p:notesMasterId r:id="rId23"/>
+    <p:notesMasterId r:id="rId22"/>
   </p:notesMasterIdLst>
   <p:sldIdLst>
     <p:sldId id="256" r:id="rId8"/>
@@ -22,13 +22,12 @@
     <p:sldId id="708" r:id="rId13"/>
     <p:sldId id="658" r:id="rId14"/>
     <p:sldId id="702" r:id="rId15"/>
-    <p:sldId id="652" r:id="rId16"/>
-    <p:sldId id="704" r:id="rId17"/>
-    <p:sldId id="706" r:id="rId18"/>
-    <p:sldId id="278" r:id="rId19"/>
-    <p:sldId id="272" r:id="rId20"/>
-    <p:sldId id="260" r:id="rId21"/>
-    <p:sldId id="576" r:id="rId22"/>
+    <p:sldId id="704" r:id="rId16"/>
+    <p:sldId id="706" r:id="rId17"/>
+    <p:sldId id="278" r:id="rId18"/>
+    <p:sldId id="272" r:id="rId19"/>
+    <p:sldId id="260" r:id="rId20"/>
+    <p:sldId id="576" r:id="rId21"/>
   </p:sldIdLst>
   <p:sldSz cx="12192000" cy="6858000"/>
   <p:notesSz cx="6858000" cy="9144000"/>
@@ -217,7 +216,7 @@
           <a:p>
             <a:fld id="{CB51F8A3-78C2-4D78-B924-DA25D91AD41E}" type="datetimeFigureOut">
               <a:rPr lang="zh-TW" altLang="en-US" smtClean="0"/>
-              <a:t>2021/6/3</a:t>
+              <a:t>2023/2/15</a:t>
             </a:fld>
             <a:endParaRPr lang="zh-TW" altLang="en-US"/>
           </a:p>
@@ -899,7 +898,7 @@
                 <a:tabLst/>
                 <a:defRPr/>
               </a:pPr>
-              <a:t>15</a:t>
+              <a:t>14</a:t>
             </a:fld>
             <a:endParaRPr kumimoji="0" lang="zh-TW" altLang="en-US" sz="1200" b="0" i="0" u="none" strike="noStrike" kern="1200" cap="none" spc="0" normalizeH="0" baseline="0" noProof="0">
               <a:ln>
@@ -1078,7 +1077,7 @@
           <a:p>
             <a:fld id="{C45F3497-B3D3-4F91-80C5-B7B70F5858C7}" type="datetimeFigureOut">
               <a:rPr lang="zh-TW" altLang="en-US" smtClean="0"/>
-              <a:t>2021/6/3</a:t>
+              <a:t>2023/2/15</a:t>
             </a:fld>
             <a:endParaRPr lang="zh-TW" altLang="en-US"/>
           </a:p>
@@ -1276,7 +1275,7 @@
           <a:p>
             <a:fld id="{C45F3497-B3D3-4F91-80C5-B7B70F5858C7}" type="datetimeFigureOut">
               <a:rPr lang="zh-TW" altLang="en-US" smtClean="0"/>
-              <a:t>2021/6/3</a:t>
+              <a:t>2023/2/15</a:t>
             </a:fld>
             <a:endParaRPr lang="zh-TW" altLang="en-US"/>
           </a:p>
@@ -1484,7 +1483,7 @@
           <a:p>
             <a:fld id="{C45F3497-B3D3-4F91-80C5-B7B70F5858C7}" type="datetimeFigureOut">
               <a:rPr lang="zh-TW" altLang="en-US" smtClean="0"/>
-              <a:t>2021/6/3</a:t>
+              <a:t>2023/2/15</a:t>
             </a:fld>
             <a:endParaRPr lang="zh-TW" altLang="en-US"/>
           </a:p>
@@ -1693,7 +1692,7 @@
                 </a:solidFill>
               </a:rPr>
               <a:pPr/>
-              <a:t>2021/6/3</a:t>
+              <a:t>2023/2/15</a:t>
             </a:fld>
             <a:endParaRPr lang="zh-TW" altLang="en-US">
               <a:solidFill>
@@ -1893,7 +1892,7 @@
                 </a:solidFill>
               </a:rPr>
               <a:pPr/>
-              <a:t>2021/6/3</a:t>
+              <a:t>2023/2/15</a:t>
             </a:fld>
             <a:endParaRPr lang="zh-TW" altLang="en-US">
               <a:solidFill>
@@ -2170,7 +2169,7 @@
                 </a:solidFill>
               </a:rPr>
               <a:pPr/>
-              <a:t>2021/6/3</a:t>
+              <a:t>2023/2/15</a:t>
             </a:fld>
             <a:endParaRPr lang="zh-TW" altLang="en-US">
               <a:solidFill>
@@ -2431,7 +2430,7 @@
                 </a:solidFill>
               </a:rPr>
               <a:pPr/>
-              <a:t>2021/6/3</a:t>
+              <a:t>2023/2/15</a:t>
             </a:fld>
             <a:endParaRPr lang="zh-TW" altLang="en-US">
               <a:solidFill>
@@ -2827,7 +2826,7 @@
                 </a:solidFill>
               </a:rPr>
               <a:pPr/>
-              <a:t>2021/6/3</a:t>
+              <a:t>2023/2/15</a:t>
             </a:fld>
             <a:endParaRPr lang="zh-TW" altLang="en-US">
               <a:solidFill>
@@ -2976,7 +2975,7 @@
                 </a:solidFill>
               </a:rPr>
               <a:pPr/>
-              <a:t>2021/6/3</a:t>
+              <a:t>2023/2/15</a:t>
             </a:fld>
             <a:endParaRPr lang="zh-TW" altLang="en-US">
               <a:solidFill>
@@ -3103,7 +3102,7 @@
                 </a:solidFill>
               </a:rPr>
               <a:pPr/>
-              <a:t>2021/6/3</a:t>
+              <a:t>2023/2/15</a:t>
             </a:fld>
             <a:endParaRPr lang="zh-TW" altLang="en-US">
               <a:solidFill>
@@ -3410,7 +3409,7 @@
                 </a:solidFill>
               </a:rPr>
               <a:pPr/>
-              <a:t>2021/6/3</a:t>
+              <a:t>2023/2/15</a:t>
             </a:fld>
             <a:endParaRPr lang="zh-TW" altLang="en-US">
               <a:solidFill>
@@ -3621,7 +3620,7 @@
           <a:p>
             <a:fld id="{C45F3497-B3D3-4F91-80C5-B7B70F5858C7}" type="datetimeFigureOut">
               <a:rPr lang="zh-TW" altLang="en-US" smtClean="0"/>
-              <a:t>2021/6/3</a:t>
+              <a:t>2023/2/15</a:t>
             </a:fld>
             <a:endParaRPr lang="zh-TW" altLang="en-US"/>
           </a:p>
@@ -3892,7 +3891,7 @@
                 </a:solidFill>
               </a:rPr>
               <a:pPr/>
-              <a:t>2021/6/3</a:t>
+              <a:t>2023/2/15</a:t>
             </a:fld>
             <a:endParaRPr lang="zh-TW" altLang="en-US">
               <a:solidFill>
@@ -4092,7 +4091,7 @@
                 </a:solidFill>
               </a:rPr>
               <a:pPr/>
-              <a:t>2021/6/3</a:t>
+              <a:t>2023/2/15</a:t>
             </a:fld>
             <a:endParaRPr lang="zh-TW" altLang="en-US">
               <a:solidFill>
@@ -4302,7 +4301,7 @@
                 </a:solidFill>
               </a:rPr>
               <a:pPr/>
-              <a:t>2021/6/3</a:t>
+              <a:t>2023/2/15</a:t>
             </a:fld>
             <a:endParaRPr lang="zh-TW" altLang="en-US">
               <a:solidFill>
@@ -4616,7 +4615,7 @@
               <a:pPr>
                 <a:defRPr/>
               </a:pPr>
-              <a:t>2021/6/3</a:t>
+              <a:t>2023/2/15</a:t>
             </a:fld>
             <a:endParaRPr lang="zh-CN" altLang="en-US">
               <a:solidFill>
@@ -4841,7 +4840,7 @@
               <a:pPr>
                 <a:defRPr/>
               </a:pPr>
-              <a:t>2021/6/3</a:t>
+              <a:t>2023/2/15</a:t>
             </a:fld>
             <a:endParaRPr lang="zh-CN" altLang="en-US">
               <a:solidFill>
@@ -5143,7 +5142,7 @@
               <a:pPr>
                 <a:defRPr/>
               </a:pPr>
-              <a:t>2021/6/3</a:t>
+              <a:t>2023/2/15</a:t>
             </a:fld>
             <a:endParaRPr lang="zh-CN" altLang="en-US">
               <a:solidFill>
@@ -5485,7 +5484,7 @@
               <a:pPr>
                 <a:defRPr/>
               </a:pPr>
-              <a:t>2021/6/3</a:t>
+              <a:t>2023/2/15</a:t>
             </a:fld>
             <a:endParaRPr lang="zh-CN" altLang="en-US">
               <a:solidFill>
@@ -5961,7 +5960,7 @@
               <a:pPr>
                 <a:defRPr/>
               </a:pPr>
-              <a:t>2021/6/3</a:t>
+              <a:t>2023/2/15</a:t>
             </a:fld>
             <a:endParaRPr lang="zh-CN" altLang="en-US">
               <a:solidFill>
@@ -6135,7 +6134,7 @@
               <a:pPr>
                 <a:defRPr/>
               </a:pPr>
-              <a:t>2021/6/3</a:t>
+              <a:t>2023/2/15</a:t>
             </a:fld>
             <a:endParaRPr lang="zh-CN" altLang="en-US">
               <a:solidFill>
@@ -6439,7 +6438,7 @@
           <a:p>
             <a:fld id="{C45F3497-B3D3-4F91-80C5-B7B70F5858C7}" type="datetimeFigureOut">
               <a:rPr lang="zh-TW" altLang="en-US" smtClean="0"/>
-              <a:t>2021/6/3</a:t>
+              <a:t>2023/2/15</a:t>
             </a:fld>
             <a:endParaRPr lang="zh-TW" altLang="en-US"/>
           </a:p>
@@ -6562,7 +6561,7 @@
               <a:pPr>
                 <a:defRPr/>
               </a:pPr>
-              <a:t>2021/6/3</a:t>
+              <a:t>2023/2/15</a:t>
             </a:fld>
             <a:endParaRPr lang="zh-CN" altLang="en-US">
               <a:solidFill>
@@ -6894,7 +6893,7 @@
               <a:pPr>
                 <a:defRPr/>
               </a:pPr>
-              <a:t>2021/6/3</a:t>
+              <a:t>2023/2/15</a:t>
             </a:fld>
             <a:endParaRPr lang="zh-CN" altLang="en-US">
               <a:solidFill>
@@ -7206,7 +7205,7 @@
               <a:pPr>
                 <a:defRPr/>
               </a:pPr>
-              <a:t>2021/6/3</a:t>
+              <a:t>2023/2/15</a:t>
             </a:fld>
             <a:endParaRPr lang="zh-CN" altLang="en-US">
               <a:solidFill>
@@ -7431,7 +7430,7 @@
               <a:pPr>
                 <a:defRPr/>
               </a:pPr>
-              <a:t>2021/6/3</a:t>
+              <a:t>2023/2/15</a:t>
             </a:fld>
             <a:endParaRPr lang="zh-CN" altLang="en-US">
               <a:solidFill>
@@ -7666,7 +7665,7 @@
               <a:pPr>
                 <a:defRPr/>
               </a:pPr>
-              <a:t>2021/6/3</a:t>
+              <a:t>2023/2/15</a:t>
             </a:fld>
             <a:endParaRPr lang="zh-CN" altLang="en-US">
               <a:solidFill>
@@ -8125,7 +8124,7 @@
           <a:p>
             <a:fld id="{C45F3497-B3D3-4F91-80C5-B7B70F5858C7}" type="datetimeFigureOut">
               <a:rPr lang="zh-TW" altLang="en-US" smtClean="0"/>
-              <a:t>2021/6/3</a:t>
+              <a:t>2023/2/15</a:t>
             </a:fld>
             <a:endParaRPr lang="zh-TW" altLang="en-US"/>
           </a:p>
@@ -8324,7 +8323,7 @@
           <a:p>
             <a:fld id="{76F7B522-7839-4502-BA1A-9D291315DDB6}" type="datetimeFigureOut">
               <a:rPr lang="zh-TW" altLang="en-US" smtClean="0"/>
-              <a:t>2021/6/3</a:t>
+              <a:t>2023/2/15</a:t>
             </a:fld>
             <a:endParaRPr lang="zh-TW" altLang="en-US"/>
           </a:p>
@@ -8802,7 +8801,7 @@
           <a:p>
             <a:fld id="{9275EF9D-446A-4BA9-9A8F-8795C824CFA3}" type="datetimeFigureOut">
               <a:rPr lang="zh-TW" altLang="en-US" smtClean="0"/>
-              <a:t>2021/6/3</a:t>
+              <a:t>2023/2/15</a:t>
             </a:fld>
             <a:endParaRPr lang="zh-TW" altLang="en-US"/>
           </a:p>
@@ -8970,7 +8969,7 @@
           <a:p>
             <a:fld id="{9275EF9D-446A-4BA9-9A8F-8795C824CFA3}" type="datetimeFigureOut">
               <a:rPr lang="zh-TW" altLang="en-US" smtClean="0"/>
-              <a:t>2021/6/3</a:t>
+              <a:t>2023/2/15</a:t>
             </a:fld>
             <a:endParaRPr lang="zh-TW" altLang="en-US"/>
           </a:p>
@@ -9215,7 +9214,7 @@
           <a:p>
             <a:fld id="{9275EF9D-446A-4BA9-9A8F-8795C824CFA3}" type="datetimeFigureOut">
               <a:rPr lang="zh-TW" altLang="en-US" smtClean="0"/>
-              <a:t>2021/6/3</a:t>
+              <a:t>2023/2/15</a:t>
             </a:fld>
             <a:endParaRPr lang="zh-TW" altLang="en-US"/>
           </a:p>
@@ -9444,7 +9443,7 @@
           <a:p>
             <a:fld id="{9275EF9D-446A-4BA9-9A8F-8795C824CFA3}" type="datetimeFigureOut">
               <a:rPr lang="zh-TW" altLang="en-US" smtClean="0"/>
-              <a:t>2021/6/3</a:t>
+              <a:t>2023/2/15</a:t>
             </a:fld>
             <a:endParaRPr lang="zh-TW" altLang="en-US"/>
           </a:p>
@@ -9808,7 +9807,7 @@
           <a:p>
             <a:fld id="{9275EF9D-446A-4BA9-9A8F-8795C824CFA3}" type="datetimeFigureOut">
               <a:rPr lang="zh-TW" altLang="en-US" smtClean="0"/>
-              <a:t>2021/6/3</a:t>
+              <a:t>2023/2/15</a:t>
             </a:fld>
             <a:endParaRPr lang="zh-TW" altLang="en-US"/>
           </a:p>
@@ -9925,7 +9924,7 @@
           <a:p>
             <a:fld id="{9275EF9D-446A-4BA9-9A8F-8795C824CFA3}" type="datetimeFigureOut">
               <a:rPr lang="zh-TW" altLang="en-US" smtClean="0"/>
-              <a:t>2021/6/3</a:t>
+              <a:t>2023/2/15</a:t>
             </a:fld>
             <a:endParaRPr lang="zh-TW" altLang="en-US"/>
           </a:p>
@@ -10020,7 +10019,7 @@
           <a:p>
             <a:fld id="{9275EF9D-446A-4BA9-9A8F-8795C824CFA3}" type="datetimeFigureOut">
               <a:rPr lang="zh-TW" altLang="en-US" smtClean="0"/>
-              <a:t>2021/6/3</a:t>
+              <a:t>2023/2/15</a:t>
             </a:fld>
             <a:endParaRPr lang="zh-TW" altLang="en-US"/>
           </a:p>
@@ -10295,7 +10294,7 @@
           <a:p>
             <a:fld id="{9275EF9D-446A-4BA9-9A8F-8795C824CFA3}" type="datetimeFigureOut">
               <a:rPr lang="zh-TW" altLang="en-US" smtClean="0"/>
-              <a:t>2021/6/3</a:t>
+              <a:t>2023/2/15</a:t>
             </a:fld>
             <a:endParaRPr lang="zh-TW" altLang="en-US"/>
           </a:p>
@@ -10695,7 +10694,7 @@
           <a:p>
             <a:fld id="{C45F3497-B3D3-4F91-80C5-B7B70F5858C7}" type="datetimeFigureOut">
               <a:rPr lang="zh-TW" altLang="en-US" smtClean="0"/>
-              <a:t>2021/6/3</a:t>
+              <a:t>2023/2/15</a:t>
             </a:fld>
             <a:endParaRPr lang="zh-TW" altLang="en-US"/>
           </a:p>
@@ -10959,7 +10958,7 @@
           <a:p>
             <a:fld id="{9275EF9D-446A-4BA9-9A8F-8795C824CFA3}" type="datetimeFigureOut">
               <a:rPr lang="zh-TW" altLang="en-US" smtClean="0"/>
-              <a:t>2021/6/3</a:t>
+              <a:t>2023/2/15</a:t>
             </a:fld>
             <a:endParaRPr lang="zh-TW" altLang="en-US"/>
           </a:p>
@@ -11127,7 +11126,7 @@
           <a:p>
             <a:fld id="{9275EF9D-446A-4BA9-9A8F-8795C824CFA3}" type="datetimeFigureOut">
               <a:rPr lang="zh-TW" altLang="en-US" smtClean="0"/>
-              <a:t>2021/6/3</a:t>
+              <a:t>2023/2/15</a:t>
             </a:fld>
             <a:endParaRPr lang="zh-TW" altLang="en-US"/>
           </a:p>
@@ -11305,7 +11304,7 @@
           <a:p>
             <a:fld id="{9275EF9D-446A-4BA9-9A8F-8795C824CFA3}" type="datetimeFigureOut">
               <a:rPr lang="zh-TW" altLang="en-US" smtClean="0"/>
-              <a:t>2021/6/3</a:t>
+              <a:t>2023/2/15</a:t>
             </a:fld>
             <a:endParaRPr lang="zh-TW" altLang="en-US"/>
           </a:p>
@@ -11505,7 +11504,7 @@
           <a:p>
             <a:fld id="{1D8BD707-D9CF-40AE-B4C6-C98DA3205C09}" type="datetimeFigureOut">
               <a:rPr lang="en-US"/>
-              <a:t>6/3/2021</a:t>
+              <a:t>2/15/2023</a:t>
             </a:fld>
             <a:endParaRPr lang="en-US"/>
           </a:p>
@@ -11685,7 +11684,7 @@
           <a:p>
             <a:fld id="{1D8BD707-D9CF-40AE-B4C6-C98DA3205C09}" type="datetimeFigureOut">
               <a:rPr lang="en-US"/>
-              <a:t>6/3/2021</a:t>
+              <a:t>2/15/2023</a:t>
             </a:fld>
             <a:endParaRPr lang="en-US"/>
           </a:p>
@@ -11964,7 +11963,7 @@
           <a:p>
             <a:fld id="{1D8BD707-D9CF-40AE-B4C6-C98DA3205C09}" type="datetimeFigureOut">
               <a:rPr lang="en-US"/>
-              <a:t>6/3/2021</a:t>
+              <a:t>2/15/2023</a:t>
             </a:fld>
             <a:endParaRPr lang="en-US"/>
           </a:p>
@@ -12117,7 +12116,7 @@
           <a:p>
             <a:fld id="{1D8BD707-D9CF-40AE-B4C6-C98DA3205C09}" type="datetimeFigureOut">
               <a:rPr lang="en-US"/>
-              <a:t>6/3/2021</a:t>
+              <a:t>2/15/2023</a:t>
             </a:fld>
             <a:endParaRPr lang="en-US"/>
           </a:p>
@@ -12241,7 +12240,7 @@
           <a:p>
             <a:fld id="{1D8BD707-D9CF-40AE-B4C6-C98DA3205C09}" type="datetimeFigureOut">
               <a:rPr lang="en-US"/>
-              <a:t>6/3/2021</a:t>
+              <a:t>2/15/2023</a:t>
             </a:fld>
             <a:endParaRPr lang="en-US"/>
           </a:p>
@@ -12428,7 +12427,7 @@
                 </a:solidFill>
               </a:rPr>
               <a:pPr/>
-              <a:t>2021/6/3</a:t>
+              <a:t>2023/2/15</a:t>
             </a:fld>
             <a:endParaRPr lang="zh-TW" altLang="en-US">
               <a:solidFill>
@@ -12628,7 +12627,7 @@
                 </a:solidFill>
               </a:rPr>
               <a:pPr/>
-              <a:t>2021/6/3</a:t>
+              <a:t>2023/2/15</a:t>
             </a:fld>
             <a:endParaRPr lang="zh-TW" altLang="en-US">
               <a:solidFill>
@@ -12782,7 +12781,7 @@
           <a:p>
             <a:fld id="{C45F3497-B3D3-4F91-80C5-B7B70F5858C7}" type="datetimeFigureOut">
               <a:rPr lang="zh-TW" altLang="en-US" smtClean="0"/>
-              <a:t>2021/6/3</a:t>
+              <a:t>2023/2/15</a:t>
             </a:fld>
             <a:endParaRPr lang="zh-TW" altLang="en-US"/>
           </a:p>
@@ -13046,7 +13045,7 @@
                 </a:solidFill>
               </a:rPr>
               <a:pPr/>
-              <a:t>2021/6/3</a:t>
+              <a:t>2023/2/15</a:t>
             </a:fld>
             <a:endParaRPr lang="zh-TW" altLang="en-US">
               <a:solidFill>
@@ -13307,7 +13306,7 @@
                 </a:solidFill>
               </a:rPr>
               <a:pPr/>
-              <a:t>2021/6/3</a:t>
+              <a:t>2023/2/15</a:t>
             </a:fld>
             <a:endParaRPr lang="zh-TW" altLang="en-US">
               <a:solidFill>
@@ -13703,7 +13702,7 @@
                 </a:solidFill>
               </a:rPr>
               <a:pPr/>
-              <a:t>2021/6/3</a:t>
+              <a:t>2023/2/15</a:t>
             </a:fld>
             <a:endParaRPr lang="zh-TW" altLang="en-US">
               <a:solidFill>
@@ -13852,7 +13851,7 @@
                 </a:solidFill>
               </a:rPr>
               <a:pPr/>
-              <a:t>2021/6/3</a:t>
+              <a:t>2023/2/15</a:t>
             </a:fld>
             <a:endParaRPr lang="zh-TW" altLang="en-US">
               <a:solidFill>
@@ -13979,7 +13978,7 @@
                 </a:solidFill>
               </a:rPr>
               <a:pPr/>
-              <a:t>2021/6/3</a:t>
+              <a:t>2023/2/15</a:t>
             </a:fld>
             <a:endParaRPr lang="zh-TW" altLang="en-US">
               <a:solidFill>
@@ -14286,7 +14285,7 @@
                 </a:solidFill>
               </a:rPr>
               <a:pPr/>
-              <a:t>2021/6/3</a:t>
+              <a:t>2023/2/15</a:t>
             </a:fld>
             <a:endParaRPr lang="zh-TW" altLang="en-US">
               <a:solidFill>
@@ -14570,7 +14569,7 @@
                 </a:solidFill>
               </a:rPr>
               <a:pPr/>
-              <a:t>2021/6/3</a:t>
+              <a:t>2023/2/15</a:t>
             </a:fld>
             <a:endParaRPr lang="zh-TW" altLang="en-US">
               <a:solidFill>
@@ -14770,7 +14769,7 @@
                 </a:solidFill>
               </a:rPr>
               <a:pPr/>
-              <a:t>2021/6/3</a:t>
+              <a:t>2023/2/15</a:t>
             </a:fld>
             <a:endParaRPr lang="zh-TW" altLang="en-US">
               <a:solidFill>
@@ -14980,7 +14979,7 @@
                 </a:solidFill>
               </a:rPr>
               <a:pPr/>
-              <a:t>2021/6/3</a:t>
+              <a:t>2023/2/15</a:t>
             </a:fld>
             <a:endParaRPr lang="zh-TW" altLang="en-US">
               <a:solidFill>
@@ -15106,7 +15105,7 @@
           <a:p>
             <a:fld id="{C45F3497-B3D3-4F91-80C5-B7B70F5858C7}" type="datetimeFigureOut">
               <a:rPr lang="zh-TW" altLang="en-US" smtClean="0"/>
-              <a:t>2021/6/3</a:t>
+              <a:t>2023/2/15</a:t>
             </a:fld>
             <a:endParaRPr lang="zh-TW" altLang="en-US"/>
           </a:p>
@@ -15417,7 +15416,7 @@
           <a:p>
             <a:fld id="{C45F3497-B3D3-4F91-80C5-B7B70F5858C7}" type="datetimeFigureOut">
               <a:rPr lang="zh-TW" altLang="en-US" smtClean="0"/>
-              <a:t>2021/6/3</a:t>
+              <a:t>2023/2/15</a:t>
             </a:fld>
             <a:endParaRPr lang="zh-TW" altLang="en-US"/>
           </a:p>
@@ -15705,7 +15704,7 @@
           <a:p>
             <a:fld id="{C45F3497-B3D3-4F91-80C5-B7B70F5858C7}" type="datetimeFigureOut">
               <a:rPr lang="zh-TW" altLang="en-US" smtClean="0"/>
-              <a:t>2021/6/3</a:t>
+              <a:t>2023/2/15</a:t>
             </a:fld>
             <a:endParaRPr lang="zh-TW" altLang="en-US"/>
           </a:p>
@@ -15946,7 +15945,7 @@
           <a:p>
             <a:fld id="{C45F3497-B3D3-4F91-80C5-B7B70F5858C7}" type="datetimeFigureOut">
               <a:rPr lang="zh-TW" altLang="en-US" smtClean="0"/>
-              <a:t>2021/6/3</a:t>
+              <a:t>2023/2/15</a:t>
             </a:fld>
             <a:endParaRPr lang="zh-TW" altLang="en-US"/>
           </a:p>
@@ -16503,7 +16502,7 @@
                 </a:solidFill>
               </a:rPr>
               <a:pPr/>
-              <a:t>2021/6/3</a:t>
+              <a:t>2023/2/15</a:t>
             </a:fld>
             <a:endParaRPr lang="zh-TW" altLang="en-US">
               <a:solidFill>
@@ -17117,7 +17116,7 @@
               <a:pPr>
                 <a:defRPr/>
               </a:pPr>
-              <a:t>2021/6/3</a:t>
+              <a:t>2023/2/15</a:t>
             </a:fld>
             <a:endParaRPr lang="zh-CN" altLang="en-US">
               <a:solidFill>
@@ -17835,7 +17834,7 @@
           <a:p>
             <a:fld id="{76F7B522-7839-4502-BA1A-9D291315DDB6}" type="datetimeFigureOut">
               <a:rPr lang="zh-TW" altLang="en-US" smtClean="0"/>
-              <a:t>2021/6/3</a:t>
+              <a:t>2023/2/15</a:t>
             </a:fld>
             <a:endParaRPr lang="zh-TW" altLang="en-US"/>
           </a:p>
@@ -18376,7 +18375,7 @@
           <a:p>
             <a:fld id="{9275EF9D-446A-4BA9-9A8F-8795C824CFA3}" type="datetimeFigureOut">
               <a:rPr lang="zh-TW" altLang="en-US" smtClean="0"/>
-              <a:t>2021/6/3</a:t>
+              <a:t>2023/2/15</a:t>
             </a:fld>
             <a:endParaRPr lang="zh-TW" altLang="en-US"/>
           </a:p>
@@ -18941,7 +18940,7 @@
           <a:p>
             <a:fld id="{1D8BD707-D9CF-40AE-B4C6-C98DA3205C09}" type="datetimeFigureOut">
               <a:rPr lang="en-US"/>
-              <a:t>6/3/2021</a:t>
+              <a:t>2/15/2023</a:t>
             </a:fld>
             <a:endParaRPr lang="en-US"/>
           </a:p>
@@ -19305,7 +19304,7 @@
                 </a:solidFill>
               </a:rPr>
               <a:pPr/>
-              <a:t>2021/6/3</a:t>
+              <a:t>2023/2/15</a:t>
             </a:fld>
             <a:endParaRPr lang="zh-TW" altLang="en-US">
               <a:solidFill>
@@ -19882,9 +19881,7 @@
         </p:nvSpPr>
         <p:spPr/>
         <p:txBody>
-          <a:bodyPr>
-            <a:normAutofit/>
-          </a:bodyPr>
+          <a:bodyPr/>
           <a:lstStyle/>
           <a:p>
             <a:pPr marL="628650" indent="-628650">
@@ -19892,35 +19889,43 @@
             </a:pPr>
             <a:r>
               <a:rPr lang="en-US" altLang="zh-TW" dirty="0"/>
-              <a:t>Q1: </a:t>
+              <a:t>Q2: </a:t>
             </a:r>
             <a:r>
               <a:rPr lang="zh-TW" altLang="en-US" dirty="0"/>
-              <a:t>謝謝教授，我昨天實作時有發現</a:t>
+              <a:t>另外在許多</a:t>
             </a:r>
             <a:r>
               <a:rPr lang="en-US" altLang="zh-TW" dirty="0"/>
-              <a:t>alpha</a:t>
+              <a:t>module</a:t>
             </a:r>
             <a:r>
               <a:rPr lang="zh-TW" altLang="en-US" dirty="0"/>
-              <a:t>跟</a:t>
+              <a:t>都會用到的</a:t>
+            </a:r>
+            <a:r>
+              <a:rPr lang="en-US" altLang="zh-TW" dirty="0" err="1"/>
+              <a:t>SeC</a:t>
+            </a:r>
+            <a:r>
+              <a:rPr lang="zh-TW" altLang="en-US" dirty="0"/>
+              <a:t>，在判斷上只要</a:t>
             </a:r>
             <a:r>
               <a:rPr lang="en-US" altLang="zh-TW" dirty="0"/>
-              <a:t>beta</a:t>
+              <a:t>alpha &gt; beta</a:t>
             </a:r>
             <a:r>
               <a:rPr lang="zh-TW" altLang="en-US" dirty="0"/>
-              <a:t>會越來越靠近，最後就不</a:t>
+              <a:t>就為</a:t>
             </a:r>
             <a:r>
               <a:rPr lang="en-US" altLang="zh-TW" dirty="0"/>
-              <a:t>work</a:t>
+              <a:t>True</a:t>
             </a:r>
             <a:r>
               <a:rPr lang="zh-TW" altLang="en-US" dirty="0"/>
-              <a:t>了。是否就是因為沒有加上這個</a:t>
+              <a:t>；但在這個</a:t>
             </a:r>
             <a:r>
               <a:rPr lang="en-US" altLang="zh-TW" dirty="0"/>
@@ -19928,7 +19933,23 @@
             </a:r>
             <a:r>
               <a:rPr lang="zh-TW" altLang="en-US" dirty="0"/>
-              <a:t>？</a:t>
+              <a:t>我們更進一步要確保</a:t>
+            </a:r>
+            <a:r>
+              <a:rPr lang="en-US" altLang="zh-TW" dirty="0"/>
+              <a:t>alpha &gt; v</a:t>
+            </a:r>
+            <a:r>
+              <a:rPr lang="zh-TW" altLang="en-US" dirty="0"/>
+              <a:t>、</a:t>
+            </a:r>
+            <a:r>
+              <a:rPr lang="en-US" altLang="zh-TW" dirty="0"/>
+              <a:t>beta &lt; -v</a:t>
+            </a:r>
+            <a:r>
+              <a:rPr lang="zh-TW" altLang="en-US" dirty="0"/>
+              <a:t>，這樣理解對嗎？</a:t>
             </a:r>
           </a:p>
           <a:p>
@@ -19937,31 +19958,31 @@
             </a:pPr>
             <a:r>
               <a:rPr lang="zh-TW" altLang="en-US" dirty="0"/>
-              <a:t>但在流程圖上沒看到這個</a:t>
+              <a:t>這樣是否在一開始</a:t>
+            </a:r>
+            <a:r>
+              <a:rPr lang="en-US" altLang="zh-TW" dirty="0" err="1"/>
+              <a:t>initializing_module</a:t>
+            </a:r>
+            <a:r>
+              <a:rPr lang="zh-TW" altLang="en-US" dirty="0"/>
+              <a:t>時，我們也要讓初始網路能夠達到</a:t>
             </a:r>
             <a:r>
               <a:rPr lang="en-US" altLang="zh-TW" dirty="0"/>
-              <a:t>module</a:t>
+              <a:t>alpha &gt; v</a:t>
             </a:r>
             <a:r>
               <a:rPr lang="zh-TW" altLang="en-US" dirty="0"/>
-              <a:t>，想請問教授這個</a:t>
+              <a:t>、</a:t>
             </a:r>
             <a:r>
               <a:rPr lang="en-US" altLang="zh-TW" dirty="0"/>
-              <a:t>module</a:t>
+              <a:t>beta &lt; -v</a:t>
             </a:r>
             <a:r>
               <a:rPr lang="zh-TW" altLang="en-US" dirty="0"/>
-              <a:t>是加在</a:t>
-            </a:r>
-            <a:r>
-              <a:rPr lang="en-US" altLang="zh-TW" dirty="0"/>
-              <a:t>cramming module</a:t>
-            </a:r>
-            <a:r>
-              <a:rPr lang="zh-TW" altLang="en-US" dirty="0"/>
-              <a:t>中嗎？</a:t>
+              <a:t>這樣的條件？</a:t>
             </a:r>
             <a:endParaRPr lang="en-US" altLang="zh-TW" dirty="0"/>
           </a:p>
@@ -19971,8 +19992,19 @@
             </a:pPr>
             <a:r>
               <a:rPr lang="en-US" altLang="zh-TW" dirty="0"/>
-              <a:t>A: If you want, you can add the inferencing module into your algorithm. For instance, the inferencing module can be implemented after the matching module, the cramming module, the regularizing module, and/or the reorganizing module.</a:t>
-            </a:r>
+              <a:t>A: Yes, you can add the inferencing module after the initializing module to make sure that alpha = v and beta = -v at the </a:t>
+            </a:r>
+            <a:r>
+              <a:rPr lang="en-US" altLang="zh-TW" dirty="0" err="1"/>
+              <a:t>begining</a:t>
+            </a:r>
+            <a:r>
+              <a:rPr lang="en-US" altLang="zh-TW" dirty="0"/>
+              <a:t>.</a:t>
+            </a:r>
+            <a:endParaRPr lang="zh-TW" altLang="en-US" dirty="0"/>
+          </a:p>
+          <a:p>
             <a:endParaRPr lang="zh-TW" altLang="en-US" dirty="0"/>
           </a:p>
         </p:txBody>
@@ -20022,7 +20054,7 @@
     </p:spTree>
     <p:extLst>
       <p:ext uri="{BB962C8B-B14F-4D97-AF65-F5344CB8AC3E}">
-        <p14:creationId xmlns:p14="http://schemas.microsoft.com/office/powerpoint/2010/main" val="2084990767"/>
+        <p14:creationId xmlns:p14="http://schemas.microsoft.com/office/powerpoint/2010/main" val="3822610418"/>
       </p:ext>
     </p:extLst>
   </p:cSld>
@@ -20054,254 +20086,6 @@
           <p:cNvPr id="2" name="標題 1">
             <a:extLst>
               <a:ext uri="{FF2B5EF4-FFF2-40B4-BE49-F238E27FC236}">
-                <a16:creationId xmlns:a16="http://schemas.microsoft.com/office/drawing/2014/main" id="{F4874885-A133-4BEB-B4C2-7BDB6B747C26}"/>
-              </a:ext>
-            </a:extLst>
-          </p:cNvPr>
-          <p:cNvSpPr>
-            <a:spLocks noGrp="1"/>
-          </p:cNvSpPr>
-          <p:nvPr>
-            <p:ph type="title"/>
-          </p:nvPr>
-        </p:nvSpPr>
-        <p:spPr/>
-        <p:txBody>
-          <a:bodyPr/>
-          <a:lstStyle/>
-          <a:p>
-            <a:pPr algn="ctr"/>
-            <a:r>
-              <a:rPr lang="en-US" altLang="zh-TW" dirty="0"/>
-              <a:t>Q&amp;A</a:t>
-            </a:r>
-            <a:endParaRPr lang="zh-TW" altLang="en-US" dirty="0"/>
-          </a:p>
-        </p:txBody>
-      </p:sp>
-      <p:sp>
-        <p:nvSpPr>
-          <p:cNvPr id="3" name="內容版面配置區 2">
-            <a:extLst>
-              <a:ext uri="{FF2B5EF4-FFF2-40B4-BE49-F238E27FC236}">
-                <a16:creationId xmlns:a16="http://schemas.microsoft.com/office/drawing/2014/main" id="{558E0B82-A3BC-4FBF-811C-36F4FA0B4983}"/>
-              </a:ext>
-            </a:extLst>
-          </p:cNvPr>
-          <p:cNvSpPr>
-            <a:spLocks noGrp="1"/>
-          </p:cNvSpPr>
-          <p:nvPr>
-            <p:ph idx="1"/>
-          </p:nvPr>
-        </p:nvSpPr>
-        <p:spPr/>
-        <p:txBody>
-          <a:bodyPr/>
-          <a:lstStyle/>
-          <a:p>
-            <a:pPr marL="628650" indent="-628650">
-              <a:buNone/>
-            </a:pPr>
-            <a:r>
-              <a:rPr lang="en-US" altLang="zh-TW" dirty="0"/>
-              <a:t>Q2: </a:t>
-            </a:r>
-            <a:r>
-              <a:rPr lang="zh-TW" altLang="en-US" dirty="0"/>
-              <a:t>另外在許多</a:t>
-            </a:r>
-            <a:r>
-              <a:rPr lang="en-US" altLang="zh-TW" dirty="0"/>
-              <a:t>module</a:t>
-            </a:r>
-            <a:r>
-              <a:rPr lang="zh-TW" altLang="en-US" dirty="0"/>
-              <a:t>都會用到的</a:t>
-            </a:r>
-            <a:r>
-              <a:rPr lang="en-US" altLang="zh-TW" dirty="0" err="1"/>
-              <a:t>SeC</a:t>
-            </a:r>
-            <a:r>
-              <a:rPr lang="zh-TW" altLang="en-US" dirty="0"/>
-              <a:t>，在判斷上只要</a:t>
-            </a:r>
-            <a:r>
-              <a:rPr lang="en-US" altLang="zh-TW" dirty="0"/>
-              <a:t>alpha &gt; beta</a:t>
-            </a:r>
-            <a:r>
-              <a:rPr lang="zh-TW" altLang="en-US" dirty="0"/>
-              <a:t>就為</a:t>
-            </a:r>
-            <a:r>
-              <a:rPr lang="en-US" altLang="zh-TW" dirty="0"/>
-              <a:t>True</a:t>
-            </a:r>
-            <a:r>
-              <a:rPr lang="zh-TW" altLang="en-US" dirty="0"/>
-              <a:t>；但在這個</a:t>
-            </a:r>
-            <a:r>
-              <a:rPr lang="en-US" altLang="zh-TW" dirty="0"/>
-              <a:t>The classification inferencing module</a:t>
-            </a:r>
-            <a:r>
-              <a:rPr lang="zh-TW" altLang="en-US" dirty="0"/>
-              <a:t>我們更進一步要確保</a:t>
-            </a:r>
-            <a:r>
-              <a:rPr lang="en-US" altLang="zh-TW" dirty="0"/>
-              <a:t>alpha &gt; v</a:t>
-            </a:r>
-            <a:r>
-              <a:rPr lang="zh-TW" altLang="en-US" dirty="0"/>
-              <a:t>、</a:t>
-            </a:r>
-            <a:r>
-              <a:rPr lang="en-US" altLang="zh-TW" dirty="0"/>
-              <a:t>beta &lt; -v</a:t>
-            </a:r>
-            <a:r>
-              <a:rPr lang="zh-TW" altLang="en-US" dirty="0"/>
-              <a:t>，這樣理解對嗎？</a:t>
-            </a:r>
-          </a:p>
-          <a:p>
-            <a:pPr marL="628650" indent="0">
-              <a:buNone/>
-            </a:pPr>
-            <a:r>
-              <a:rPr lang="zh-TW" altLang="en-US" dirty="0"/>
-              <a:t>這樣是否在一開始</a:t>
-            </a:r>
-            <a:r>
-              <a:rPr lang="en-US" altLang="zh-TW" dirty="0" err="1"/>
-              <a:t>initializing_module</a:t>
-            </a:r>
-            <a:r>
-              <a:rPr lang="zh-TW" altLang="en-US" dirty="0"/>
-              <a:t>時，我們也要讓初始網路能夠達到</a:t>
-            </a:r>
-            <a:r>
-              <a:rPr lang="en-US" altLang="zh-TW" dirty="0"/>
-              <a:t>alpha &gt; v</a:t>
-            </a:r>
-            <a:r>
-              <a:rPr lang="zh-TW" altLang="en-US" dirty="0"/>
-              <a:t>、</a:t>
-            </a:r>
-            <a:r>
-              <a:rPr lang="en-US" altLang="zh-TW" dirty="0"/>
-              <a:t>beta &lt; -v</a:t>
-            </a:r>
-            <a:r>
-              <a:rPr lang="zh-TW" altLang="en-US" dirty="0"/>
-              <a:t>這樣的條件？</a:t>
-            </a:r>
-            <a:endParaRPr lang="en-US" altLang="zh-TW" dirty="0"/>
-          </a:p>
-          <a:p>
-            <a:pPr marL="360363" indent="-360363">
-              <a:buNone/>
-            </a:pPr>
-            <a:r>
-              <a:rPr lang="en-US" altLang="zh-TW" dirty="0"/>
-              <a:t>A: Yes, you can add the inferencing module after the initializing module to make sure that alpha = v and beta = -v at the </a:t>
-            </a:r>
-            <a:r>
-              <a:rPr lang="en-US" altLang="zh-TW" dirty="0" err="1"/>
-              <a:t>begining</a:t>
-            </a:r>
-            <a:r>
-              <a:rPr lang="en-US" altLang="zh-TW" dirty="0"/>
-              <a:t>.</a:t>
-            </a:r>
-            <a:endParaRPr lang="zh-TW" altLang="en-US" dirty="0"/>
-          </a:p>
-          <a:p>
-            <a:endParaRPr lang="zh-TW" altLang="en-US" dirty="0"/>
-          </a:p>
-        </p:txBody>
-      </p:sp>
-      <p:sp>
-        <p:nvSpPr>
-          <p:cNvPr id="4" name="投影片編號版面配置區 3">
-            <a:extLst>
-              <a:ext uri="{FF2B5EF4-FFF2-40B4-BE49-F238E27FC236}">
-                <a16:creationId xmlns:a16="http://schemas.microsoft.com/office/drawing/2014/main" id="{24572681-8F21-472F-8AC1-BF4AA8928300}"/>
-              </a:ext>
-            </a:extLst>
-          </p:cNvPr>
-          <p:cNvSpPr>
-            <a:spLocks noGrp="1"/>
-          </p:cNvSpPr>
-          <p:nvPr>
-            <p:ph type="sldNum" sz="quarter" idx="12"/>
-          </p:nvPr>
-        </p:nvSpPr>
-        <p:spPr/>
-        <p:txBody>
-          <a:bodyPr/>
-          <a:lstStyle/>
-          <a:p>
-            <a:fld id="{3EB68C04-86CB-4EF9-90C4-B4D0FE693461}" type="slidenum">
-              <a:rPr lang="zh-TW" altLang="en-US" smtClean="0">
-                <a:solidFill>
-                  <a:prstClr val="black">
-                    <a:tint val="75000"/>
-                  </a:prstClr>
-                </a:solidFill>
-              </a:rPr>
-              <a:pPr/>
-              <a:t>11</a:t>
-            </a:fld>
-            <a:endParaRPr lang="zh-TW" altLang="en-US" dirty="0">
-              <a:solidFill>
-                <a:prstClr val="black">
-                  <a:tint val="75000"/>
-                </a:prstClr>
-              </a:solidFill>
-            </a:endParaRPr>
-          </a:p>
-        </p:txBody>
-      </p:sp>
-    </p:spTree>
-    <p:extLst>
-      <p:ext uri="{BB962C8B-B14F-4D97-AF65-F5344CB8AC3E}">
-        <p14:creationId xmlns:p14="http://schemas.microsoft.com/office/powerpoint/2010/main" val="3822610418"/>
-      </p:ext>
-    </p:extLst>
-  </p:cSld>
-  <p:clrMapOvr>
-    <a:masterClrMapping/>
-  </p:clrMapOvr>
-</p:sld>
-</file>
-
-<file path=ppt/slides/slide12.xml><?xml version="1.0" encoding="utf-8"?>
-<p:sld xmlns:a="http://schemas.openxmlformats.org/drawingml/2006/main" xmlns:r="http://schemas.openxmlformats.org/officeDocument/2006/relationships" xmlns:p="http://schemas.openxmlformats.org/presentationml/2006/main">
-  <p:cSld>
-    <p:spTree>
-      <p:nvGrpSpPr>
-        <p:cNvPr id="1" name=""/>
-        <p:cNvGrpSpPr/>
-        <p:nvPr/>
-      </p:nvGrpSpPr>
-      <p:grpSpPr>
-        <a:xfrm>
-          <a:off x="0" y="0"/>
-          <a:ext cx="0" cy="0"/>
-          <a:chOff x="0" y="0"/>
-          <a:chExt cx="0" cy="0"/>
-        </a:xfrm>
-      </p:grpSpPr>
-      <p:sp>
-        <p:nvSpPr>
-          <p:cNvPr id="2" name="標題 1">
-            <a:extLst>
-              <a:ext uri="{FF2B5EF4-FFF2-40B4-BE49-F238E27FC236}">
                 <a16:creationId xmlns:a16="http://schemas.microsoft.com/office/drawing/2014/main" id="{BD3F57CD-97B5-42EC-B36A-84CD72B2FE7A}"/>
               </a:ext>
             </a:extLst>
@@ -20678,7 +20462,7 @@
                 <a:tabLst/>
                 <a:defRPr/>
               </a:pPr>
-              <a:t>12</a:t>
+              <a:t>11</a:t>
             </a:fld>
             <a:endParaRPr kumimoji="0" lang="zh-CN" altLang="en-US" sz="1200" b="0" i="0" u="none" strike="noStrike" kern="1200" cap="none" spc="0" normalizeH="0" baseline="0" noProof="0" dirty="0">
               <a:ln>
@@ -22811,7 +22595,7 @@
 </p:sld>
 </file>
 
-<file path=ppt/slides/slide13.xml><?xml version="1.0" encoding="utf-8"?>
+<file path=ppt/slides/slide12.xml><?xml version="1.0" encoding="utf-8"?>
 <p:sld xmlns:a="http://schemas.openxmlformats.org/drawingml/2006/main" xmlns:r="http://schemas.openxmlformats.org/officeDocument/2006/relationships" xmlns:p="http://schemas.openxmlformats.org/presentationml/2006/main">
   <p:cSld>
     <p:spTree>
@@ -24289,7 +24073,7 @@
                 <a:tabLst/>
                 <a:defRPr/>
               </a:pPr>
-              <a:t>13</a:t>
+              <a:t>12</a:t>
             </a:fld>
             <a:endParaRPr kumimoji="0" lang="zh-TW" altLang="en-US" sz="1400" b="0" i="0" u="none" strike="noStrike" kern="1200" cap="none" spc="0" normalizeH="0" baseline="0" noProof="0" dirty="0">
               <a:ln>
@@ -27919,7 +27703,7 @@
 </p:sld>
 </file>
 
-<file path=ppt/slides/slide14.xml><?xml version="1.0" encoding="utf-8"?>
+<file path=ppt/slides/slide13.xml><?xml version="1.0" encoding="utf-8"?>
 <p:sld xmlns:a="http://schemas.openxmlformats.org/drawingml/2006/main" xmlns:r="http://schemas.openxmlformats.org/officeDocument/2006/relationships" xmlns:p="http://schemas.openxmlformats.org/presentationml/2006/main">
   <p:cSld>
     <p:spTree>
@@ -32399,7 +32183,7 @@
 </p:sld>
 </file>
 
-<file path=ppt/slides/slide15.xml><?xml version="1.0" encoding="utf-8"?>
+<file path=ppt/slides/slide14.xml><?xml version="1.0" encoding="utf-8"?>
 <p:sld xmlns:a="http://schemas.openxmlformats.org/drawingml/2006/main" xmlns:r="http://schemas.openxmlformats.org/officeDocument/2006/relationships" xmlns:p="http://schemas.openxmlformats.org/presentationml/2006/main">
   <p:cSld>
     <p:spTree>
@@ -32726,7 +32510,7 @@
                   <a:spcPct val="0"/>
                 </a:spcAft>
               </a:pPr>
-              <a:t>15</a:t>
+              <a:t>14</a:t>
             </a:fld>
             <a:endParaRPr lang="zh-TW" altLang="en-US">
               <a:solidFill>
@@ -40896,8 +40680,8 @@
           </a:p>
         </p:txBody>
       </p:sp>
-      <mc:AlternateContent xmlns:mc="http://schemas.openxmlformats.org/markup-compatibility/2006">
-        <mc:Choice xmlns:a14="http://schemas.microsoft.com/office/drawing/2010/main" Requires="a14">
+      <mc:AlternateContent xmlns:mc="http://schemas.openxmlformats.org/markup-compatibility/2006" xmlns:a14="http://schemas.microsoft.com/office/drawing/2010/main">
+        <mc:Choice Requires="a14">
           <p:sp>
             <p:nvSpPr>
               <p:cNvPr id="49" name="矩形 48">
@@ -41961,7 +41745,7 @@
             </p:txBody>
           </p:sp>
         </mc:Choice>
-        <mc:Fallback>
+        <mc:Fallback xmlns="">
           <p:sp>
             <p:nvSpPr>
               <p:cNvPr id="49" name="矩形 48">
@@ -42262,8 +42046,8 @@
           </a:fontRef>
         </p:style>
       </p:cxnSp>
-      <mc:AlternateContent xmlns:mc="http://schemas.openxmlformats.org/markup-compatibility/2006">
-        <mc:Choice xmlns:a14="http://schemas.microsoft.com/office/drawing/2010/main" Requires="a14">
+      <mc:AlternateContent xmlns:mc="http://schemas.openxmlformats.org/markup-compatibility/2006" xmlns:a14="http://schemas.microsoft.com/office/drawing/2010/main">
+        <mc:Choice Requires="a14">
           <p:sp>
             <p:nvSpPr>
               <p:cNvPr id="37" name="圓角矩形 5">
@@ -42340,7 +42124,7 @@
             </p:txBody>
           </p:sp>
         </mc:Choice>
-        <mc:Fallback>
+        <mc:Fallback xmlns="">
           <p:sp>
             <p:nvSpPr>
               <p:cNvPr id="37" name="圓角矩形 5">
@@ -43073,7 +42857,7 @@
           <p:cNvPr id="2" name="標題 1">
             <a:extLst>
               <a:ext uri="{FF2B5EF4-FFF2-40B4-BE49-F238E27FC236}">
-                <a16:creationId xmlns:a16="http://schemas.microsoft.com/office/drawing/2014/main" id="{22FD334F-2EE1-4339-BFA4-77D314F245D7}"/>
+                <a16:creationId xmlns:a16="http://schemas.microsoft.com/office/drawing/2014/main" id="{F4874885-A133-4BEB-B4C2-7BDB6B747C26}"/>
               </a:ext>
             </a:extLst>
           </p:cNvPr>
@@ -43084,66 +42868,139 @@
             <p:ph type="title"/>
           </p:nvPr>
         </p:nvSpPr>
-        <p:spPr>
-          <a:xfrm>
-            <a:off x="1775520" y="404664"/>
-            <a:ext cx="8712968" cy="1786210"/>
-          </a:xfrm>
-        </p:spPr>
+        <p:spPr/>
         <p:txBody>
           <a:bodyPr/>
           <a:lstStyle/>
           <a:p>
-            <a:pPr algn="l"/>
-            <a:r>
-              <a:rPr lang="en-US" altLang="zh-TW" sz="4000" dirty="0"/>
-              <a:t>Developing a new learning algorithm is like playing with Lego – lots of (pre-built or self-built) modules</a:t>
-            </a:r>
-            <a:endParaRPr lang="zh-TW" altLang="en-US" sz="4000" dirty="0"/>
-          </a:p>
-        </p:txBody>
-      </p:sp>
-      <p:pic>
-        <p:nvPicPr>
-          <p:cNvPr id="6" name="內容版面配置區 5">
+            <a:pPr algn="ctr"/>
+            <a:r>
+              <a:rPr lang="en-US" altLang="zh-TW" dirty="0"/>
+              <a:t>Q&amp;A</a:t>
+            </a:r>
+            <a:endParaRPr lang="zh-TW" altLang="en-US" dirty="0"/>
+          </a:p>
+        </p:txBody>
+      </p:sp>
+      <p:sp>
+        <p:nvSpPr>
+          <p:cNvPr id="3" name="內容版面配置區 2">
             <a:extLst>
               <a:ext uri="{FF2B5EF4-FFF2-40B4-BE49-F238E27FC236}">
-                <a16:creationId xmlns:a16="http://schemas.microsoft.com/office/drawing/2014/main" id="{F74D7BE5-3CB9-4A8F-815D-7882BE9F5532}"/>
+                <a16:creationId xmlns:a16="http://schemas.microsoft.com/office/drawing/2014/main" id="{558E0B82-A3BC-4FBF-811C-36F4FA0B4983}"/>
               </a:ext>
             </a:extLst>
           </p:cNvPr>
-          <p:cNvPicPr>
-            <a:picLocks noGrp="1" noChangeAspect="1"/>
-          </p:cNvPicPr>
+          <p:cNvSpPr>
+            <a:spLocks noGrp="1"/>
+          </p:cNvSpPr>
           <p:nvPr>
             <p:ph idx="1"/>
           </p:nvPr>
-        </p:nvPicPr>
-        <p:blipFill>
-          <a:blip r:embed="rId2" cstate="print">
-            <a:extLst>
-              <a:ext uri="{28A0092B-C50C-407E-A947-70E740481C1C}">
-                <a14:useLocalDpi xmlns:a14="http://schemas.microsoft.com/office/drawing/2010/main" val="0"/>
-              </a:ext>
-            </a:extLst>
-          </a:blip>
-          <a:stretch>
-            <a:fillRect/>
-          </a:stretch>
-        </p:blipFill>
-        <p:spPr>
-          <a:xfrm>
-            <a:off x="2063553" y="2132857"/>
-            <a:ext cx="8040695" cy="4525963"/>
-          </a:xfrm>
-        </p:spPr>
-      </p:pic>
+        </p:nvSpPr>
+        <p:spPr/>
+        <p:txBody>
+          <a:bodyPr>
+            <a:normAutofit/>
+          </a:bodyPr>
+          <a:lstStyle/>
+          <a:p>
+            <a:pPr marL="628650" indent="-628650">
+              <a:buNone/>
+            </a:pPr>
+            <a:r>
+              <a:rPr lang="en-US" altLang="zh-TW" dirty="0"/>
+              <a:t>Q1: </a:t>
+            </a:r>
+            <a:r>
+              <a:rPr lang="zh-TW" altLang="en-US" dirty="0"/>
+              <a:t>謝謝教授，我昨天實作時有發現</a:t>
+            </a:r>
+            <a:r>
+              <a:rPr lang="en-US" altLang="zh-TW" dirty="0"/>
+              <a:t>alpha</a:t>
+            </a:r>
+            <a:r>
+              <a:rPr lang="zh-TW" altLang="en-US" dirty="0"/>
+              <a:t>跟</a:t>
+            </a:r>
+            <a:r>
+              <a:rPr lang="en-US" altLang="zh-TW" dirty="0"/>
+              <a:t>beta</a:t>
+            </a:r>
+            <a:r>
+              <a:rPr lang="zh-TW" altLang="en-US" dirty="0"/>
+              <a:t>會越來越靠近，最後就不</a:t>
+            </a:r>
+            <a:r>
+              <a:rPr lang="en-US" altLang="zh-TW" dirty="0"/>
+              <a:t>work</a:t>
+            </a:r>
+            <a:r>
+              <a:rPr lang="zh-TW" altLang="en-US" dirty="0"/>
+              <a:t>了。是否就是因為沒有加上這個</a:t>
+            </a:r>
+            <a:r>
+              <a:rPr lang="en-US" altLang="zh-TW" dirty="0"/>
+              <a:t>The classification inferencing module</a:t>
+            </a:r>
+            <a:r>
+              <a:rPr lang="zh-TW" altLang="en-US" dirty="0"/>
+              <a:t>？</a:t>
+            </a:r>
+          </a:p>
+          <a:p>
+            <a:pPr marL="628650" indent="0">
+              <a:buNone/>
+            </a:pPr>
+            <a:r>
+              <a:rPr lang="zh-TW" altLang="en-US" dirty="0"/>
+              <a:t>但在流程圖上沒看到這個</a:t>
+            </a:r>
+            <a:r>
+              <a:rPr lang="en-US" altLang="zh-TW" dirty="0"/>
+              <a:t>module</a:t>
+            </a:r>
+            <a:r>
+              <a:rPr lang="zh-TW" altLang="en-US" dirty="0"/>
+              <a:t>，想請問教授這個</a:t>
+            </a:r>
+            <a:r>
+              <a:rPr lang="en-US" altLang="zh-TW" dirty="0"/>
+              <a:t>module</a:t>
+            </a:r>
+            <a:r>
+              <a:rPr lang="zh-TW" altLang="en-US" dirty="0"/>
+              <a:t>是加在</a:t>
+            </a:r>
+            <a:r>
+              <a:rPr lang="en-US" altLang="zh-TW" dirty="0"/>
+              <a:t>cramming module</a:t>
+            </a:r>
+            <a:r>
+              <a:rPr lang="zh-TW" altLang="en-US" dirty="0"/>
+              <a:t>中嗎？</a:t>
+            </a:r>
+            <a:endParaRPr lang="en-US" altLang="zh-TW" dirty="0"/>
+          </a:p>
+          <a:p>
+            <a:pPr marL="360363" indent="-360363">
+              <a:buNone/>
+            </a:pPr>
+            <a:r>
+              <a:rPr lang="en-US" altLang="zh-TW" dirty="0"/>
+              <a:t>A: If you want, you can add the inferencing module into your algorithm. For instance, the inferencing module can be implemented after the matching module, the cramming module, the regularizing module, and/or the reorganizing module.</a:t>
+            </a:r>
+            <a:endParaRPr lang="zh-TW" altLang="en-US" dirty="0"/>
+          </a:p>
+        </p:txBody>
+      </p:sp>
       <p:sp>
         <p:nvSpPr>
           <p:cNvPr id="4" name="投影片編號版面配置區 3">
             <a:extLst>
               <a:ext uri="{FF2B5EF4-FFF2-40B4-BE49-F238E27FC236}">
-                <a16:creationId xmlns:a16="http://schemas.microsoft.com/office/drawing/2014/main" id="{37947F72-EE01-4752-98B9-41ABDD1CD87F}"/>
+                <a16:creationId xmlns:a16="http://schemas.microsoft.com/office/drawing/2014/main" id="{24572681-8F21-472F-8AC1-BF4AA8928300}"/>
               </a:ext>
             </a:extLst>
           </p:cNvPr>
@@ -43159,157 +43016,31 @@
           <a:bodyPr/>
           <a:lstStyle/>
           <a:p>
-            <a:pPr>
-              <a:defRPr/>
-            </a:pPr>
-            <a:fld id="{D3A7A091-F146-430F-BA88-1B0CCFC6C729}" type="slidenum">
-              <a:rPr lang="zh-CN" altLang="en-US">
+            <a:fld id="{3EB68C04-86CB-4EF9-90C4-B4D0FE693461}" type="slidenum">
+              <a:rPr lang="zh-TW" altLang="en-US" smtClean="0">
                 <a:solidFill>
                   <a:prstClr val="black">
                     <a:tint val="75000"/>
                   </a:prstClr>
                 </a:solidFill>
-                <a:latin typeface="Calibri"/>
-                <a:ea typeface="宋体" panose="02010600030101010101" pitchFamily="2" charset="-122"/>
-              </a:rPr>
-              <a:pPr>
-                <a:defRPr/>
-              </a:pPr>
+              </a:rPr>
+              <a:pPr/>
               <a:t>9</a:t>
             </a:fld>
-            <a:endParaRPr lang="zh-CN" altLang="en-US">
+            <a:endParaRPr lang="zh-TW" altLang="en-US" dirty="0">
               <a:solidFill>
                 <a:prstClr val="black">
                   <a:tint val="75000"/>
                 </a:prstClr>
               </a:solidFill>
-              <a:latin typeface="Calibri"/>
-              <a:ea typeface="宋体" panose="02010600030101010101" pitchFamily="2" charset="-122"/>
             </a:endParaRPr>
-          </a:p>
-        </p:txBody>
-      </p:sp>
-      <p:sp>
-        <p:nvSpPr>
-          <p:cNvPr id="7" name="文字方塊 6">
-            <a:extLst>
-              <a:ext uri="{FF2B5EF4-FFF2-40B4-BE49-F238E27FC236}">
-                <a16:creationId xmlns:a16="http://schemas.microsoft.com/office/drawing/2014/main" id="{B71279E6-C118-4315-BDDB-A21C637BAD09}"/>
-              </a:ext>
-            </a:extLst>
-          </p:cNvPr>
-          <p:cNvSpPr txBox="1"/>
-          <p:nvPr/>
-        </p:nvSpPr>
-        <p:spPr>
-          <a:xfrm>
-            <a:off x="1574928" y="0"/>
-            <a:ext cx="2232246" cy="369332"/>
-          </a:xfrm>
-          <a:prstGeom prst="rect">
-            <a:avLst/>
-          </a:prstGeom>
-          <a:noFill/>
-        </p:spPr>
-        <p:txBody>
-          <a:bodyPr wrap="square" rtlCol="0">
-            <a:spAutoFit/>
-          </a:bodyPr>
-          <a:lstStyle/>
-          <a:p>
-            <a:r>
-              <a:rPr lang="en-US" altLang="zh-TW" dirty="0">
-                <a:solidFill>
-                  <a:prstClr val="black"/>
-                </a:solidFill>
-                <a:latin typeface="Calibri" panose="020F0502020204030204"/>
-                <a:ea typeface="新細明體"/>
-              </a:rPr>
-              <a:t>Where we are now...</a:t>
-            </a:r>
-            <a:endParaRPr lang="zh-TW" altLang="en-US" dirty="0">
-              <a:solidFill>
-                <a:prstClr val="black"/>
-              </a:solidFill>
-              <a:latin typeface="Calibri" panose="020F0502020204030204"/>
-              <a:ea typeface="新細明體"/>
-            </a:endParaRPr>
-          </a:p>
-        </p:txBody>
-      </p:sp>
-      <p:sp>
-        <p:nvSpPr>
-          <p:cNvPr id="8" name="文字方塊 7">
-            <a:extLst>
-              <a:ext uri="{FF2B5EF4-FFF2-40B4-BE49-F238E27FC236}">
-                <a16:creationId xmlns:a16="http://schemas.microsoft.com/office/drawing/2014/main" id="{BDAEEAFE-E1E0-49D0-87C9-5D14A4B1F3B8}"/>
-              </a:ext>
-            </a:extLst>
-          </p:cNvPr>
-          <p:cNvSpPr txBox="1"/>
-          <p:nvPr/>
-        </p:nvSpPr>
-        <p:spPr>
-          <a:xfrm>
-            <a:off x="6593213" y="2132857"/>
-            <a:ext cx="5400600" cy="461665"/>
-          </a:xfrm>
-          <a:prstGeom prst="rect">
-            <a:avLst/>
-          </a:prstGeom>
-          <a:noFill/>
-        </p:spPr>
-        <p:txBody>
-          <a:bodyPr wrap="square" rtlCol="0">
-            <a:spAutoFit/>
-          </a:bodyPr>
-          <a:lstStyle/>
-          <a:p>
-            <a:pPr fontAlgn="base">
-              <a:spcBef>
-                <a:spcPct val="0"/>
-              </a:spcBef>
-              <a:spcAft>
-                <a:spcPct val="0"/>
-              </a:spcAft>
-            </a:pPr>
-            <a:r>
-              <a:rPr lang="zh-TW" altLang="en-US" sz="2400" dirty="0">
-                <a:solidFill>
-                  <a:srgbClr val="FF0000"/>
-                </a:solidFill>
-                <a:latin typeface="Arial" charset="0"/>
-                <a:ea typeface="宋体" pitchFamily="2" charset="-122"/>
-              </a:rPr>
-              <a:t>不喜歡的</a:t>
-            </a:r>
-            <a:r>
-              <a:rPr lang="en-US" altLang="zh-TW" sz="2400" dirty="0">
-                <a:solidFill>
-                  <a:srgbClr val="FF0000"/>
-                </a:solidFill>
-                <a:latin typeface="Arial" charset="0"/>
-                <a:ea typeface="宋体" pitchFamily="2" charset="-122"/>
-              </a:rPr>
-              <a:t>pieces/blocks</a:t>
-            </a:r>
-            <a:r>
-              <a:rPr lang="zh-TW" altLang="en-US" sz="2400" dirty="0">
-                <a:solidFill>
-                  <a:srgbClr val="FF0000"/>
-                </a:solidFill>
-                <a:latin typeface="Arial" charset="0"/>
-                <a:ea typeface="宋体" pitchFamily="2" charset="-122"/>
-              </a:rPr>
-              <a:t>就修改或抽換它</a:t>
-            </a:r>
           </a:p>
         </p:txBody>
       </p:sp>
     </p:spTree>
     <p:extLst>
       <p:ext uri="{BB962C8B-B14F-4D97-AF65-F5344CB8AC3E}">
-        <p14:creationId xmlns:p14="http://schemas.microsoft.com/office/powerpoint/2010/main" val="620191016"/>
+        <p14:creationId xmlns:p14="http://schemas.microsoft.com/office/powerpoint/2010/main" val="2084990767"/>
       </p:ext>
     </p:extLst>
   </p:cSld>
